--- a/personal_info/Recruitingday-NEXT-2020-Steckbrief-Vorlage.pptx
+++ b/personal_info/Recruitingday-NEXT-2020-Steckbrief-Vorlage.pptx
@@ -143,7 +143,7 @@
 <file path=ppt/revisionInfo.xml><?xml version="1.0" encoding="utf-8"?>
 <p1510:revInfo xmlns:a="http://schemas.openxmlformats.org/drawingml/2006/main" xmlns:r="http://schemas.openxmlformats.org/officeDocument/2006/relationships" xmlns:p1510="http://schemas.microsoft.com/office/powerpoint/2015/10/main">
   <p1510:revLst>
-    <p1510:client id="{BAF475B6-6B66-465E-8F71-C47409D7AADD}" v="15" dt="2020-05-28T10:41:35.828"/>
+    <p1510:client id="{BAF475B6-6B66-465E-8F71-C47409D7AADD}" v="19" dt="2020-06-02T11:58:30.087"/>
   </p1510:revLst>
 </p1510:revInfo>
 </file>
@@ -152,8 +152,8 @@
 <pc:chgInfo xmlns:a="http://schemas.openxmlformats.org/drawingml/2006/main" xmlns:r="http://schemas.openxmlformats.org/officeDocument/2006/relationships" xmlns:ac="http://schemas.microsoft.com/office/drawing/2013/main/command" xmlns:pc="http://schemas.microsoft.com/office/powerpoint/2013/main/command">
   <pc:docChgLst>
     <pc:chgData name="Thiele, Julia" userId="2d83ca60-d74f-4ef1-94c4-ee0f5109f852" providerId="ADAL" clId="{BAF475B6-6B66-465E-8F71-C47409D7AADD}"/>
-    <pc:docChg chg="addSld delSld modSld delSection modSection">
-      <pc:chgData name="Thiele, Julia" userId="2d83ca60-d74f-4ef1-94c4-ee0f5109f852" providerId="ADAL" clId="{BAF475B6-6B66-465E-8F71-C47409D7AADD}" dt="2020-05-28T10:41:35.825" v="5"/>
+    <pc:docChg chg="undo custSel addSld delSld modSld delSection modSection">
+      <pc:chgData name="Thiele, Julia" userId="2d83ca60-d74f-4ef1-94c4-ee0f5109f852" providerId="ADAL" clId="{BAF475B6-6B66-465E-8F71-C47409D7AADD}" dt="2020-06-02T11:58:34.963" v="36" actId="20577"/>
       <pc:docMkLst>
         <pc:docMk/>
       </pc:docMkLst>
@@ -164,19 +164,35 @@
           <pc:sldMk cId="3350318814" sldId="257"/>
         </pc:sldMkLst>
       </pc:sldChg>
-      <pc:sldChg chg="add del">
-        <pc:chgData name="Thiele, Julia" userId="2d83ca60-d74f-4ef1-94c4-ee0f5109f852" providerId="ADAL" clId="{BAF475B6-6B66-465E-8F71-C47409D7AADD}" dt="2020-05-28T10:41:35.825" v="5"/>
+      <pc:sldChg chg="modSp add del">
+        <pc:chgData name="Thiele, Julia" userId="2d83ca60-d74f-4ef1-94c4-ee0f5109f852" providerId="ADAL" clId="{BAF475B6-6B66-465E-8F71-C47409D7AADD}" dt="2020-06-02T11:58:34.963" v="36" actId="20577"/>
         <pc:sldMkLst>
           <pc:docMk/>
           <pc:sldMk cId="159515884" sldId="265"/>
         </pc:sldMkLst>
+        <pc:spChg chg="mod">
+          <ac:chgData name="Thiele, Julia" userId="2d83ca60-d74f-4ef1-94c4-ee0f5109f852" providerId="ADAL" clId="{BAF475B6-6B66-465E-8F71-C47409D7AADD}" dt="2020-06-02T11:58:34.963" v="36" actId="20577"/>
+          <ac:spMkLst>
+            <pc:docMk/>
+            <pc:sldMk cId="159515884" sldId="265"/>
+            <ac:spMk id="10" creationId="{323040DB-5935-43D0-8C4F-DC56641841A4}"/>
+          </ac:spMkLst>
+        </pc:spChg>
       </pc:sldChg>
-      <pc:sldChg chg="add del">
-        <pc:chgData name="Thiele, Julia" userId="2d83ca60-d74f-4ef1-94c4-ee0f5109f852" providerId="ADAL" clId="{BAF475B6-6B66-465E-8F71-C47409D7AADD}" dt="2020-05-28T10:41:35.825" v="5"/>
+      <pc:sldChg chg="modSp add del">
+        <pc:chgData name="Thiele, Julia" userId="2d83ca60-d74f-4ef1-94c4-ee0f5109f852" providerId="ADAL" clId="{BAF475B6-6B66-465E-8F71-C47409D7AADD}" dt="2020-06-02T11:56:56.280" v="22" actId="20577"/>
         <pc:sldMkLst>
           <pc:docMk/>
           <pc:sldMk cId="66328628" sldId="275"/>
         </pc:sldMkLst>
+        <pc:spChg chg="mod">
+          <ac:chgData name="Thiele, Julia" userId="2d83ca60-d74f-4ef1-94c4-ee0f5109f852" providerId="ADAL" clId="{BAF475B6-6B66-465E-8F71-C47409D7AADD}" dt="2020-06-02T11:56:56.280" v="22" actId="20577"/>
+          <ac:spMkLst>
+            <pc:docMk/>
+            <pc:sldMk cId="66328628" sldId="275"/>
+            <ac:spMk id="60" creationId="{2E2972EF-AA02-0E4D-B927-C2290B6D8676}"/>
+          </ac:spMkLst>
+        </pc:spChg>
       </pc:sldChg>
       <pc:sldMasterChg chg="delSldLayout">
         <pc:chgData name="Thiele, Julia" userId="2d83ca60-d74f-4ef1-94c4-ee0f5109f852" providerId="ADAL" clId="{BAF475B6-6B66-465E-8F71-C47409D7AADD}" dt="2020-05-28T10:41:35.496" v="1" actId="2696"/>
@@ -790,7 +806,7 @@
           <a:p>
             <a:fld id="{DB596A4B-4123-4A15-A843-AF70B61C4ED3}" type="datetimeFigureOut">
               <a:rPr lang="de-DE" smtClean="0"/>
-              <a:t>29.05.2020</a:t>
+              <a:t>02.06.2020</a:t>
             </a:fld>
             <a:endParaRPr lang="de-DE"/>
           </a:p>
@@ -1401,7 +1417,7 @@
           <a:p>
             <a:fld id="{1DB5D3B9-E1E8-4972-AC69-98B499E15848}" type="datetime1">
               <a:rPr lang="de-DE" smtClean="0"/>
-              <a:t>29.05.2020</a:t>
+              <a:t>02.06.2020</a:t>
             </a:fld>
             <a:endParaRPr lang="de-DE"/>
           </a:p>
@@ -1550,7 +1566,7 @@
           <a:p>
             <a:fld id="{1DB5D3B9-E1E8-4972-AC69-98B499E15848}" type="datetime1">
               <a:rPr lang="de-DE" smtClean="0"/>
-              <a:t>29.05.2020</a:t>
+              <a:t>02.06.2020</a:t>
             </a:fld>
             <a:endParaRPr lang="de-DE" dirty="0"/>
           </a:p>
@@ -1700,7 +1716,7 @@
           <a:p>
             <a:fld id="{D17BDDF3-9980-144D-860D-DE698373997E}" type="datetimeFigureOut">
               <a:rPr lang="de-DE" smtClean="0"/>
-              <a:t>29.05.2020</a:t>
+              <a:t>02.06.2020</a:t>
             </a:fld>
             <a:endParaRPr lang="de-DE"/>
           </a:p>
@@ -2609,7 +2625,7 @@
           <a:p>
             <a:fld id="{CFEE3766-CEE3-4129-97B9-759CA4239866}" type="datetime1">
               <a:rPr lang="de-DE" smtClean="0"/>
-              <a:t>29.05.2020</a:t>
+              <a:t>02.06.2020</a:t>
             </a:fld>
             <a:endParaRPr lang="de-DE"/>
           </a:p>
@@ -2858,7 +2874,7 @@
           <a:p>
             <a:fld id="{F0A462F6-DF14-4B16-B5CA-D1C5314050EA}" type="datetime1">
               <a:rPr lang="de-DE" smtClean="0"/>
-              <a:t>29.05.2020</a:t>
+              <a:t>02.06.2020</a:t>
             </a:fld>
             <a:endParaRPr lang="de-DE"/>
           </a:p>
@@ -3224,7 +3240,7 @@
           <a:p>
             <a:fld id="{B1D3558A-334D-4E1E-AB4B-7B6B0CA6BDEA}" type="datetime1">
               <a:rPr lang="de-DE" smtClean="0"/>
-              <a:t>29.05.2020</a:t>
+              <a:t>02.06.2020</a:t>
             </a:fld>
             <a:endParaRPr lang="de-DE"/>
           </a:p>
@@ -3590,7 +3606,7 @@
           <a:p>
             <a:fld id="{CD89CBE7-DE55-4039-B7FC-AF589979F7D7}" type="datetime1">
               <a:rPr lang="de-DE" smtClean="0"/>
-              <a:t>29.05.2020</a:t>
+              <a:t>02.06.2020</a:t>
             </a:fld>
             <a:endParaRPr lang="de-DE"/>
           </a:p>
@@ -4073,7 +4089,7 @@
           <a:p>
             <a:fld id="{B459F06D-3CA8-461A-9506-5EA0A2766BB5}" type="datetime1">
               <a:rPr lang="de-DE" smtClean="0"/>
-              <a:t>29.05.2020</a:t>
+              <a:t>02.06.2020</a:t>
             </a:fld>
             <a:endParaRPr lang="de-DE"/>
           </a:p>
@@ -4583,7 +4599,7 @@
           <a:p>
             <a:fld id="{41979DC0-CD3C-4B7C-BE3B-58D326315C5C}" type="datetime1">
               <a:rPr lang="de-DE" smtClean="0"/>
-              <a:t>29.05.2020</a:t>
+              <a:t>02.06.2020</a:t>
             </a:fld>
             <a:endParaRPr lang="de-DE"/>
           </a:p>
@@ -4965,7 +4981,7 @@
           <a:p>
             <a:fld id="{3FA72DB0-395C-4520-8627-560BD362775F}" type="datetime1">
               <a:rPr lang="de-DE" smtClean="0"/>
-              <a:t>29.05.2020</a:t>
+              <a:t>02.06.2020</a:t>
             </a:fld>
             <a:endParaRPr lang="de-DE"/>
           </a:p>
@@ -5237,7 +5253,7 @@
           <a:p>
             <a:fld id="{21052BB4-7349-4A23-8924-33CFD44E66BF}" type="datetime1">
               <a:rPr lang="de-DE" smtClean="0"/>
-              <a:t>29.05.2020</a:t>
+              <a:t>02.06.2020</a:t>
             </a:fld>
             <a:endParaRPr lang="de-DE"/>
           </a:p>
@@ -5720,7 +5736,7 @@
           <a:p>
             <a:fld id="{E60E0E8C-3E03-45C9-8B90-0EE21521BAE3}" type="datetime1">
               <a:rPr lang="de-DE" smtClean="0"/>
-              <a:t>29.05.2020</a:t>
+              <a:t>02.06.2020</a:t>
             </a:fld>
             <a:endParaRPr lang="de-DE"/>
           </a:p>
@@ -6621,7 +6637,7 @@
           <a:p>
             <a:fld id="{B960893C-BFB5-484F-9C21-667E5E7A6F6D}" type="datetime1">
               <a:rPr lang="de-DE" smtClean="0"/>
-              <a:t>29.05.2020</a:t>
+              <a:t>02.06.2020</a:t>
             </a:fld>
             <a:endParaRPr lang="de-DE"/>
           </a:p>
@@ -7218,7 +7234,7 @@
           <a:p>
             <a:fld id="{233483F6-A508-47D2-A73A-1402992CACA6}" type="datetime1">
               <a:rPr lang="de-DE" smtClean="0"/>
-              <a:t>29.05.2020</a:t>
+              <a:t>02.06.2020</a:t>
             </a:fld>
             <a:endParaRPr lang="de-DE"/>
           </a:p>
@@ -7678,7 +7694,7 @@
           <a:p>
             <a:fld id="{0588A895-2192-430D-AF65-322D2E99D508}" type="datetime1">
               <a:rPr lang="de-DE" smtClean="0"/>
-              <a:t>29.05.2020</a:t>
+              <a:t>02.06.2020</a:t>
             </a:fld>
             <a:endParaRPr lang="de-DE"/>
           </a:p>
@@ -8348,7 +8364,7 @@
           <a:p>
             <a:fld id="{F90F7722-FE13-4326-A6A8-4927FAAFB704}" type="datetime1">
               <a:rPr lang="de-DE" smtClean="0"/>
-              <a:t>29.05.2020</a:t>
+              <a:t>02.06.2020</a:t>
             </a:fld>
             <a:endParaRPr lang="de-DE"/>
           </a:p>
@@ -9053,7 +9069,7 @@
           <a:p>
             <a:fld id="{37E9A5D3-F9C0-4F98-85F2-2454FD928BD7}" type="datetime1">
               <a:rPr lang="de-DE" smtClean="0"/>
-              <a:t>29.05.2020</a:t>
+              <a:t>02.06.2020</a:t>
             </a:fld>
             <a:endParaRPr lang="de-DE"/>
           </a:p>
@@ -9663,7 +9679,7 @@
           <a:p>
             <a:fld id="{F6C3C126-AD7B-4F4E-816E-B73FC9D84750}" type="datetime1">
               <a:rPr lang="de-DE" smtClean="0"/>
-              <a:t>29.05.2020</a:t>
+              <a:t>02.06.2020</a:t>
             </a:fld>
             <a:endParaRPr lang="de-DE"/>
           </a:p>
@@ -10281,7 +10297,7 @@
           <a:p>
             <a:fld id="{39C5C606-1EBA-4A29-8DA0-7531DAA49A5C}" type="datetime1">
               <a:rPr lang="de-DE" smtClean="0"/>
-              <a:t>29.05.2020</a:t>
+              <a:t>02.06.2020</a:t>
             </a:fld>
             <a:endParaRPr lang="de-DE"/>
           </a:p>
@@ -10668,7 +10684,7 @@
           <a:p>
             <a:fld id="{4094FFDD-AB26-4259-A66C-3E979EBC5F47}" type="datetime1">
               <a:rPr lang="de-DE" smtClean="0"/>
-              <a:t>29.05.2020</a:t>
+              <a:t>02.06.2020</a:t>
             </a:fld>
             <a:endParaRPr lang="de-DE"/>
           </a:p>
@@ -10992,7 +11008,7 @@
           <a:p>
             <a:fld id="{34D806F6-DD00-4EC4-90EF-AC9F9CFF4C6A}" type="datetime1">
               <a:rPr lang="de-DE" smtClean="0"/>
-              <a:t>29.05.2020</a:t>
+              <a:t>02.06.2020</a:t>
             </a:fld>
             <a:endParaRPr lang="de-DE"/>
           </a:p>
@@ -11464,7 +11480,7 @@
           <a:p>
             <a:fld id="{193EAD9A-A606-40CD-98BB-4049251EA4D6}" type="datetime1">
               <a:rPr lang="de-DE" smtClean="0"/>
-              <a:t>29.05.2020</a:t>
+              <a:t>02.06.2020</a:t>
             </a:fld>
             <a:endParaRPr lang="de-DE"/>
           </a:p>
@@ -11938,7 +11954,7 @@
           <a:p>
             <a:fld id="{E7725F1D-A726-4B4F-873C-2D4EC8F5D9BF}" type="datetime1">
               <a:rPr lang="de-DE" smtClean="0"/>
-              <a:t>29.05.2020</a:t>
+              <a:t>02.06.2020</a:t>
             </a:fld>
             <a:endParaRPr lang="de-DE"/>
           </a:p>
@@ -12317,7 +12333,7 @@
           <a:p>
             <a:fld id="{A43EEAF1-D477-4BFB-9272-9F1CBA72D0F3}" type="datetime1">
               <a:rPr lang="de-DE" smtClean="0"/>
-              <a:t>29.05.2020</a:t>
+              <a:t>02.06.2020</a:t>
             </a:fld>
             <a:endParaRPr lang="de-DE"/>
           </a:p>
@@ -12506,7 +12522,7 @@
           <a:p>
             <a:fld id="{D456C90B-3CA4-4BF8-BF42-7200FE48375B}" type="datetime1">
               <a:rPr lang="de-DE" smtClean="0"/>
-              <a:t>29.05.2020</a:t>
+              <a:t>02.06.2020</a:t>
             </a:fld>
             <a:endParaRPr lang="de-DE"/>
           </a:p>
@@ -12654,7 +12670,7 @@
           <a:p>
             <a:fld id="{BE79E8A0-FA56-437D-BF7A-009ADBC31277}" type="datetime1">
               <a:rPr lang="de-DE" smtClean="0"/>
-              <a:t>29.05.2020</a:t>
+              <a:t>02.06.2020</a:t>
             </a:fld>
             <a:endParaRPr lang="de-DE"/>
           </a:p>
@@ -13733,7 +13749,7 @@
           <a:p>
             <a:fld id="{5C719484-CE2C-4728-8BEF-D190FF645E4C}" type="datetime1">
               <a:rPr lang="de-DE" smtClean="0"/>
-              <a:t>29.05.2020</a:t>
+              <a:t>02.06.2020</a:t>
             </a:fld>
             <a:endParaRPr lang="de-DE"/>
           </a:p>
@@ -13923,7 +13939,7 @@
           <a:p>
             <a:fld id="{E971B3A6-2FFE-4A5E-B9EB-0968E62386CE}" type="datetime1">
               <a:rPr lang="de-DE" smtClean="0"/>
-              <a:t>29.05.2020</a:t>
+              <a:t>02.06.2020</a:t>
             </a:fld>
             <a:endParaRPr lang="de-DE"/>
           </a:p>
@@ -14481,7 +14497,7 @@
           <a:p>
             <a:fld id="{8385EC82-8475-49A6-88C0-FFD601D7F420}" type="datetime1">
               <a:rPr lang="de-DE" smtClean="0"/>
-              <a:t>29.05.2020</a:t>
+              <a:t>02.06.2020</a:t>
             </a:fld>
             <a:endParaRPr lang="de-DE"/>
           </a:p>
@@ -14876,7 +14892,7 @@
           <a:p>
             <a:fld id="{4B1E8931-0EC6-4AD8-9D27-764D72F0359A}" type="datetime1">
               <a:rPr lang="de-DE" smtClean="0"/>
-              <a:t>29.05.2020</a:t>
+              <a:t>02.06.2020</a:t>
             </a:fld>
             <a:endParaRPr lang="de-DE"/>
           </a:p>
@@ -15625,7 +15641,7 @@
           <a:p>
             <a:fld id="{992B6FE8-9887-4ECE-B7C1-36A1BC36F576}" type="datetime1">
               <a:rPr lang="de-DE" smtClean="0"/>
-              <a:t>29.05.2020</a:t>
+              <a:t>02.06.2020</a:t>
             </a:fld>
             <a:endParaRPr lang="de-DE"/>
           </a:p>
@@ -16221,7 +16237,7 @@
           <a:p>
             <a:fld id="{4CF601EF-21F3-4D33-9C51-55DBB0481EE0}" type="datetime1">
               <a:rPr lang="de-DE" smtClean="0"/>
-              <a:t>29.05.2020</a:t>
+              <a:t>02.06.2020</a:t>
             </a:fld>
             <a:endParaRPr lang="de-DE"/>
           </a:p>
@@ -16626,7 +16642,7 @@
           <a:p>
             <a:fld id="{A53309F9-0EC0-46AC-B12B-E766DB8EFB28}" type="datetime1">
               <a:rPr lang="de-DE" smtClean="0"/>
-              <a:t>29.05.2020</a:t>
+              <a:t>02.06.2020</a:t>
             </a:fld>
             <a:endParaRPr lang="de-DE"/>
           </a:p>
@@ -17226,7 +17242,7 @@
           <a:p>
             <a:fld id="{13ABDEFA-77AA-498E-985D-CDA00D4A4266}" type="datetime1">
               <a:rPr lang="de-DE" smtClean="0"/>
-              <a:t>29.05.2020</a:t>
+              <a:t>02.06.2020</a:t>
             </a:fld>
             <a:endParaRPr lang="de-DE"/>
           </a:p>
@@ -17780,7 +17796,7 @@
           <a:p>
             <a:fld id="{7811B31A-89B5-4132-9357-C7B769E5FC0A}" type="datetime1">
               <a:rPr lang="de-DE" smtClean="0"/>
-              <a:t>29.05.2020</a:t>
+              <a:t>02.06.2020</a:t>
             </a:fld>
             <a:endParaRPr lang="de-DE"/>
           </a:p>
@@ -18381,7 +18397,7 @@
           <a:p>
             <a:fld id="{F9305FB5-5474-4605-B75E-E85867F34257}" type="datetime1">
               <a:rPr lang="de-DE" smtClean="0"/>
-              <a:t>29.05.2020</a:t>
+              <a:t>02.06.2020</a:t>
             </a:fld>
             <a:endParaRPr lang="de-DE"/>
           </a:p>
@@ -19238,7 +19254,7 @@
           <a:p>
             <a:fld id="{452FCAEB-DF37-4ED3-AEBB-373795D6CDB8}" type="datetime1">
               <a:rPr lang="de-DE" smtClean="0"/>
-              <a:t>29.05.2020</a:t>
+              <a:t>02.06.2020</a:t>
             </a:fld>
             <a:endParaRPr lang="de-DE"/>
           </a:p>
@@ -19913,7 +19929,7 @@
           <a:p>
             <a:fld id="{5A008376-1389-49A0-B817-7C6CC5F67743}" type="datetime1">
               <a:rPr lang="de-DE" smtClean="0"/>
-              <a:t>29.05.2020</a:t>
+              <a:t>02.06.2020</a:t>
             </a:fld>
             <a:endParaRPr lang="de-DE"/>
           </a:p>
@@ -20319,7 +20335,7 @@
           <a:p>
             <a:fld id="{F37FB0EA-21A9-47F9-B69A-854B80A35CBC}" type="datetime1">
               <a:rPr lang="de-DE" smtClean="0"/>
-              <a:t>29.05.2020</a:t>
+              <a:t>02.06.2020</a:t>
             </a:fld>
             <a:endParaRPr lang="de-DE"/>
           </a:p>
@@ -20630,7 +20646,7 @@
           <a:p>
             <a:fld id="{CFE1BF35-8348-42F2-845C-1FA885910610}" type="datetime1">
               <a:rPr lang="de-DE" smtClean="0"/>
-              <a:t>29.05.2020</a:t>
+              <a:t>02.06.2020</a:t>
             </a:fld>
             <a:endParaRPr lang="de-DE"/>
           </a:p>
@@ -21270,7 +21286,7 @@
           <a:p>
             <a:fld id="{4D59D8B2-6332-4213-BAE6-52E1AE7D0D9F}" type="datetime1">
               <a:rPr lang="de-DE" smtClean="0"/>
-              <a:t>29.05.2020</a:t>
+              <a:t>02.06.2020</a:t>
             </a:fld>
             <a:endParaRPr lang="de-DE"/>
           </a:p>
@@ -21728,7 +21744,7 @@
           <a:p>
             <a:fld id="{DF83D226-8F5C-4A08-B8B0-B92EADF15728}" type="datetime1">
               <a:rPr lang="de-DE" smtClean="0"/>
-              <a:t>29.05.2020</a:t>
+              <a:t>02.06.2020</a:t>
             </a:fld>
             <a:endParaRPr lang="de-DE"/>
           </a:p>
@@ -21932,7 +21948,7 @@
           <a:p>
             <a:fld id="{5F3A4473-628A-47E3-987F-851FA951B10B}" type="datetime1">
               <a:rPr lang="de-DE" smtClean="0"/>
-              <a:t>29.05.2020</a:t>
+              <a:t>02.06.2020</a:t>
             </a:fld>
             <a:endParaRPr lang="de-DE"/>
           </a:p>
@@ -22413,7 +22429,7 @@
           <a:p>
             <a:fld id="{DC1DEC5F-57F7-4DDC-87AD-07D47C7FD9E4}" type="datetime1">
               <a:rPr lang="de-DE" smtClean="0"/>
-              <a:t>29.05.2020</a:t>
+              <a:t>02.06.2020</a:t>
             </a:fld>
             <a:endParaRPr lang="de-DE"/>
           </a:p>
@@ -22711,7 +22727,7 @@
           <a:p>
             <a:fld id="{D68FDA5F-B678-41F6-A096-A30DEB991691}" type="datetime1">
               <a:rPr lang="de-DE" smtClean="0"/>
-              <a:t>29.05.2020</a:t>
+              <a:t>02.06.2020</a:t>
             </a:fld>
             <a:endParaRPr lang="de-DE"/>
           </a:p>
@@ -23950,7 +23966,7 @@
           <a:p>
             <a:fld id="{7966FC25-28EF-4A8A-86EE-4547F76AB5EC}" type="datetime1">
               <a:rPr lang="de-DE" smtClean="0"/>
-              <a:t>29.05.2020</a:t>
+              <a:t>02.06.2020</a:t>
             </a:fld>
             <a:endParaRPr lang="de-DE"/>
           </a:p>
@@ -24139,7 +24155,7 @@
           <a:p>
             <a:fld id="{5EE76FFC-045B-4C79-90A5-DF418846F438}" type="datetime1">
               <a:rPr lang="de-DE" smtClean="0"/>
-              <a:t>29.05.2020</a:t>
+              <a:t>02.06.2020</a:t>
             </a:fld>
             <a:endParaRPr lang="de-DE"/>
           </a:p>
@@ -24696,7 +24712,7 @@
           <a:p>
             <a:fld id="{9EA35AF7-1A0A-4B29-A3A9-273F9D250980}" type="datetime1">
               <a:rPr lang="de-DE" smtClean="0"/>
-              <a:t>29.05.2020</a:t>
+              <a:t>02.06.2020</a:t>
             </a:fld>
             <a:endParaRPr lang="de-DE"/>
           </a:p>
@@ -25091,7 +25107,7 @@
           <a:p>
             <a:fld id="{BBEF577E-C731-4B86-B280-8217B3F8DC1E}" type="datetime1">
               <a:rPr lang="de-DE" smtClean="0"/>
-              <a:t>29.05.2020</a:t>
+              <a:t>02.06.2020</a:t>
             </a:fld>
             <a:endParaRPr lang="de-DE"/>
           </a:p>
@@ -25724,7 +25740,7 @@
           <a:p>
             <a:fld id="{EDF7F5CC-EC5A-4D23-AA2C-729EE9C1D33E}" type="datetime1">
               <a:rPr lang="de-DE" smtClean="0"/>
-              <a:t>29.05.2020</a:t>
+              <a:t>02.06.2020</a:t>
             </a:fld>
             <a:endParaRPr lang="de-DE"/>
           </a:p>
@@ -26275,7 +26291,7 @@
           <a:p>
             <a:fld id="{7AFC8893-057A-4810-8668-0A6E1C0A6D5E}" type="datetime1">
               <a:rPr lang="de-DE" smtClean="0"/>
-              <a:t>29.05.2020</a:t>
+              <a:t>02.06.2020</a:t>
             </a:fld>
             <a:endParaRPr lang="de-DE"/>
           </a:p>
@@ -26870,7 +26886,7 @@
           <a:p>
             <a:fld id="{9924A349-9388-4AEF-8BB0-00E0A2D03BD4}" type="datetime1">
               <a:rPr lang="de-DE" smtClean="0"/>
-              <a:t>29.05.2020</a:t>
+              <a:t>02.06.2020</a:t>
             </a:fld>
             <a:endParaRPr lang="de-DE"/>
           </a:p>
@@ -27274,7 +27290,7 @@
           <a:p>
             <a:fld id="{D8049128-9F4D-4C96-AE6F-CEE7B9057B73}" type="datetime1">
               <a:rPr lang="de-DE" smtClean="0"/>
-              <a:t>29.05.2020</a:t>
+              <a:t>02.06.2020</a:t>
             </a:fld>
             <a:endParaRPr lang="de-DE"/>
           </a:p>
@@ -27873,7 +27889,7 @@
           <a:p>
             <a:fld id="{DF8B855F-C8BE-41DE-B56F-82FC8EB5410B}" type="datetime1">
               <a:rPr lang="de-DE" smtClean="0"/>
-              <a:t>29.05.2020</a:t>
+              <a:t>02.06.2020</a:t>
             </a:fld>
             <a:endParaRPr lang="de-DE"/>
           </a:p>
@@ -28426,7 +28442,7 @@
           <a:p>
             <a:fld id="{F6209D76-F08E-40E0-B508-AD602B679D6C}" type="datetime1">
               <a:rPr lang="de-DE" smtClean="0"/>
-              <a:t>29.05.2020</a:t>
+              <a:t>02.06.2020</a:t>
             </a:fld>
             <a:endParaRPr lang="de-DE"/>
           </a:p>
@@ -29026,7 +29042,7 @@
           <a:p>
             <a:fld id="{0E0FB70E-9E82-42D5-B500-D6A9135611A6}" type="datetime1">
               <a:rPr lang="de-DE" smtClean="0"/>
-              <a:t>29.05.2020</a:t>
+              <a:t>02.06.2020</a:t>
             </a:fld>
             <a:endParaRPr lang="de-DE"/>
           </a:p>
@@ -29882,7 +29898,7 @@
           <a:p>
             <a:fld id="{3C35B6B2-CDB1-48CE-964D-0465879D9A9D}" type="datetime1">
               <a:rPr lang="de-DE" smtClean="0"/>
-              <a:t>29.05.2020</a:t>
+              <a:t>02.06.2020</a:t>
             </a:fld>
             <a:endParaRPr lang="de-DE"/>
           </a:p>
@@ -30556,7 +30572,7 @@
           <a:p>
             <a:fld id="{3EC8F389-2D92-4295-A5A1-FCF3C59E6657}" type="datetime1">
               <a:rPr lang="de-DE" smtClean="0"/>
-              <a:t>29.05.2020</a:t>
+              <a:t>02.06.2020</a:t>
             </a:fld>
             <a:endParaRPr lang="de-DE"/>
           </a:p>
@@ -30961,7 +30977,7 @@
           <a:p>
             <a:fld id="{61BA3ED0-D57D-4F54-8AD4-E3259B89A5A1}" type="datetime1">
               <a:rPr lang="de-DE" smtClean="0"/>
-              <a:t>29.05.2020</a:t>
+              <a:t>02.06.2020</a:t>
             </a:fld>
             <a:endParaRPr lang="de-DE"/>
           </a:p>
@@ -31135,7 +31151,7 @@
           <a:p>
             <a:fld id="{4DE972D5-9206-422D-820E-73F9CF4C33E2}" type="datetime1">
               <a:rPr lang="de-DE" smtClean="0"/>
-              <a:t>29.05.2020</a:t>
+              <a:t>02.06.2020</a:t>
             </a:fld>
             <a:endParaRPr lang="de-DE"/>
           </a:p>
@@ -32977,7 +32993,7 @@
           <a:p>
             <a:fld id="{7CA2FD64-5746-4BB9-B12D-A0298F27B0A9}" type="datetime1">
               <a:rPr lang="de-DE" smtClean="0"/>
-              <a:t>29.05.2020</a:t>
+              <a:t>02.06.2020</a:t>
             </a:fld>
             <a:endParaRPr lang="de-DE"/>
           </a:p>
@@ -33482,7 +33498,7 @@
           <a:p>
             <a:fld id="{C8C0AA7A-4F31-4525-BEB9-403DAC06BA0D}" type="datetime1">
               <a:rPr lang="de-DE" smtClean="0"/>
-              <a:t>29.05.2020</a:t>
+              <a:t>02.06.2020</a:t>
             </a:fld>
             <a:endParaRPr lang="de-DE"/>
           </a:p>
@@ -33630,7 +33646,7 @@
           <a:p>
             <a:fld id="{F83A620B-A236-4B2F-BB8D-C36BE8E3ED04}" type="datetime1">
               <a:rPr lang="de-DE" smtClean="0"/>
-              <a:t>29.05.2020</a:t>
+              <a:t>02.06.2020</a:t>
             </a:fld>
             <a:endParaRPr lang="de-DE"/>
           </a:p>
@@ -34110,7 +34126,7 @@
           <a:p>
             <a:fld id="{C09C8EA4-5875-4157-9791-C4EFD7A85480}" type="datetime1">
               <a:rPr lang="de-DE" smtClean="0"/>
-              <a:t>29.05.2020</a:t>
+              <a:t>02.06.2020</a:t>
             </a:fld>
             <a:endParaRPr lang="de-DE"/>
           </a:p>
@@ -34407,7 +34423,7 @@
           <a:p>
             <a:fld id="{3B57C81A-2592-4DAF-8E82-886DEFCBBA7F}" type="datetime1">
               <a:rPr lang="de-DE" smtClean="0"/>
-              <a:t>29.05.2020</a:t>
+              <a:t>02.06.2020</a:t>
             </a:fld>
             <a:endParaRPr lang="de-DE"/>
           </a:p>
@@ -35561,7 +35577,7 @@
           <a:p>
             <a:fld id="{3227C663-DABE-49C6-AB8E-36D094B27FF1}" type="datetime1">
               <a:rPr lang="de-DE" smtClean="0"/>
-              <a:t>29.05.2020</a:t>
+              <a:t>02.06.2020</a:t>
             </a:fld>
             <a:endParaRPr lang="de-DE"/>
           </a:p>
@@ -35750,7 +35766,7 @@
           <a:p>
             <a:fld id="{6D1CEF45-9435-4D7C-9690-D0CDC48735CE}" type="datetime1">
               <a:rPr lang="de-DE" smtClean="0"/>
-              <a:t>29.05.2020</a:t>
+              <a:t>02.06.2020</a:t>
             </a:fld>
             <a:endParaRPr lang="de-DE"/>
           </a:p>
@@ -36307,7 +36323,7 @@
           <a:p>
             <a:fld id="{32576857-7ACA-477E-B663-68AD8D568DBC}" type="datetime1">
               <a:rPr lang="de-DE" smtClean="0"/>
-              <a:t>29.05.2020</a:t>
+              <a:t>02.06.2020</a:t>
             </a:fld>
             <a:endParaRPr lang="de-DE"/>
           </a:p>
@@ -37129,7 +37145,7 @@
           <a:p>
             <a:fld id="{D4956756-8045-42BF-9222-8EE947209BDF}" type="datetime1">
               <a:rPr lang="de-DE" smtClean="0"/>
-              <a:t>29.05.2020</a:t>
+              <a:t>02.06.2020</a:t>
             </a:fld>
             <a:endParaRPr lang="de-DE"/>
           </a:p>
@@ -37724,7 +37740,7 @@
           <a:p>
             <a:fld id="{DAF798A3-1238-415E-9404-0ADCA981D732}" type="datetime1">
               <a:rPr lang="de-DE" smtClean="0"/>
-              <a:t>29.05.2020</a:t>
+              <a:t>02.06.2020</a:t>
             </a:fld>
             <a:endParaRPr lang="de-DE"/>
           </a:p>
@@ -38128,7 +38144,7 @@
           <a:p>
             <a:fld id="{7138AC56-5218-4B9E-ACDB-4D44631E6CD2}" type="datetime1">
               <a:rPr lang="de-DE" smtClean="0"/>
-              <a:t>29.05.2020</a:t>
+              <a:t>02.06.2020</a:t>
             </a:fld>
             <a:endParaRPr lang="de-DE"/>
           </a:p>
@@ -38727,7 +38743,7 @@
           <a:p>
             <a:fld id="{423535B0-6A7B-443F-856D-DDC072D3B547}" type="datetime1">
               <a:rPr lang="de-DE" smtClean="0"/>
-              <a:t>29.05.2020</a:t>
+              <a:t>02.06.2020</a:t>
             </a:fld>
             <a:endParaRPr lang="de-DE"/>
           </a:p>
@@ -39280,7 +39296,7 @@
           <a:p>
             <a:fld id="{58A356A3-8CA3-47F6-A6AD-99C602E9AF67}" type="datetime1">
               <a:rPr lang="de-DE" smtClean="0"/>
-              <a:t>29.05.2020</a:t>
+              <a:t>02.06.2020</a:t>
             </a:fld>
             <a:endParaRPr lang="de-DE"/>
           </a:p>
@@ -39880,7 +39896,7 @@
           <a:p>
             <a:fld id="{4C5F2917-A3C0-4E5E-B017-BA3F98695D9C}" type="datetime1">
               <a:rPr lang="de-DE" smtClean="0"/>
-              <a:t>29.05.2020</a:t>
+              <a:t>02.06.2020</a:t>
             </a:fld>
             <a:endParaRPr lang="de-DE"/>
           </a:p>
@@ -40736,7 +40752,7 @@
           <a:p>
             <a:fld id="{3ABB4013-9415-4012-B9E6-A4F0E4EB2D81}" type="datetime1">
               <a:rPr lang="de-DE" smtClean="0"/>
-              <a:t>29.05.2020</a:t>
+              <a:t>02.06.2020</a:t>
             </a:fld>
             <a:endParaRPr lang="de-DE"/>
           </a:p>
@@ -41410,7 +41426,7 @@
           <a:p>
             <a:fld id="{74E2CED4-06EB-48AE-B31A-FA67AEB1FE79}" type="datetime1">
               <a:rPr lang="de-DE" smtClean="0"/>
-              <a:t>29.05.2020</a:t>
+              <a:t>02.06.2020</a:t>
             </a:fld>
             <a:endParaRPr lang="de-DE"/>
           </a:p>
@@ -41815,7 +41831,7 @@
           <a:p>
             <a:fld id="{8A977BDF-AC26-465E-BE39-01C4E94AA09F}" type="datetime1">
               <a:rPr lang="de-DE" smtClean="0"/>
-              <a:t>29.05.2020</a:t>
+              <a:t>02.06.2020</a:t>
             </a:fld>
             <a:endParaRPr lang="de-DE"/>
           </a:p>
@@ -42125,7 +42141,7 @@
           <a:p>
             <a:fld id="{36F72060-376F-4CF3-9FFD-50ABB7085702}" type="datetime1">
               <a:rPr lang="de-DE" smtClean="0"/>
-              <a:t>29.05.2020</a:t>
+              <a:t>02.06.2020</a:t>
             </a:fld>
             <a:endParaRPr lang="de-DE"/>
           </a:p>
@@ -42562,7 +42578,7 @@
           <a:p>
             <a:fld id="{C922AB21-E708-4796-8A08-B1E330CAE1E7}" type="datetime1">
               <a:rPr lang="de-DE" smtClean="0"/>
-              <a:t>29.05.2020</a:t>
+              <a:t>02.06.2020</a:t>
             </a:fld>
             <a:endParaRPr lang="de-DE"/>
           </a:p>
@@ -43960,7 +43976,7 @@
           <a:p>
             <a:fld id="{1C747BC4-E904-4932-925F-B6DB77E1A382}" type="datetime1">
               <a:rPr lang="de-DE" smtClean="0"/>
-              <a:t>29.05.2020</a:t>
+              <a:t>02.06.2020</a:t>
             </a:fld>
             <a:endParaRPr lang="de-DE"/>
           </a:p>
@@ -44108,7 +44124,7 @@
           <a:p>
             <a:fld id="{E7B5E0E1-8D4E-4D29-94EB-C670FDC0BAE9}" type="datetime1">
               <a:rPr lang="de-DE" smtClean="0"/>
-              <a:t>29.05.2020</a:t>
+              <a:t>02.06.2020</a:t>
             </a:fld>
             <a:endParaRPr lang="de-DE"/>
           </a:p>
@@ -44588,7 +44604,7 @@
           <a:p>
             <a:fld id="{9B92EDF6-BABD-4105-9D8D-C3BABC44DDD8}" type="datetime1">
               <a:rPr lang="de-DE" smtClean="0"/>
-              <a:t>29.05.2020</a:t>
+              <a:t>02.06.2020</a:t>
             </a:fld>
             <a:endParaRPr lang="de-DE"/>
           </a:p>
@@ -44885,7 +44901,7 @@
           <a:p>
             <a:fld id="{B5FA7ACA-F0F4-4E6D-83CD-547DD97F8284}" type="datetime1">
               <a:rPr lang="de-DE" smtClean="0"/>
-              <a:t>29.05.2020</a:t>
+              <a:t>02.06.2020</a:t>
             </a:fld>
             <a:endParaRPr lang="de-DE"/>
           </a:p>
@@ -45446,7 +45462,7 @@
           <a:p>
             <a:fld id="{27F9F8E2-06EC-4B92-BFF9-98D86DC006BF}" type="datetime1">
               <a:rPr lang="de-DE" smtClean="0"/>
-              <a:t>29.05.2020</a:t>
+              <a:t>02.06.2020</a:t>
             </a:fld>
             <a:endParaRPr lang="de-DE"/>
           </a:p>
@@ -46436,7 +46452,7 @@
           <a:p>
             <a:fld id="{81F6F52A-D54D-426B-BE82-1101AB063D13}" type="datetime1">
               <a:rPr lang="de-DE" smtClean="0"/>
-              <a:t>29.05.2020</a:t>
+              <a:t>02.06.2020</a:t>
             </a:fld>
             <a:endParaRPr lang="de-DE"/>
           </a:p>
@@ -47444,7 +47460,7 @@
           <a:p>
             <a:fld id="{D75870D8-F14D-4747-8B46-FF7259AEF80E}" type="datetime1">
               <a:rPr lang="de-DE" smtClean="0"/>
-              <a:t>29.05.2020</a:t>
+              <a:t>02.06.2020</a:t>
             </a:fld>
             <a:endParaRPr lang="de-DE"/>
           </a:p>
@@ -48467,7 +48483,7 @@
           <a:p>
             <a:fld id="{372D74C0-9BA5-4BEB-928D-BCDAE3F56050}" type="datetime1">
               <a:rPr lang="de-DE" smtClean="0"/>
-              <a:t>29.05.2020</a:t>
+              <a:t>02.06.2020</a:t>
             </a:fld>
             <a:endParaRPr lang="de-DE"/>
           </a:p>
@@ -49362,7 +49378,7 @@
           <a:p>
             <a:fld id="{55DDD7F4-CAAC-48EE-BF6E-D2CD194593A0}" type="datetime1">
               <a:rPr lang="de-DE" smtClean="0"/>
-              <a:t>29.05.2020</a:t>
+              <a:t>02.06.2020</a:t>
             </a:fld>
             <a:endParaRPr lang="de-DE"/>
           </a:p>
@@ -50953,7 +50969,7 @@
                   </a:buClr>
                 </a:pPr>
                 <a:r>
-                  <a:rPr lang="de-DE" sz="2000" b="1">
+                  <a:rPr lang="de-DE" sz="2000" b="1" dirty="0">
                     <a:solidFill>
                       <a:srgbClr val="0B2D41"/>
                     </a:solidFill>
@@ -50963,7 +50979,7 @@
                   <a:t>Mittwoch, </a:t>
                 </a:r>
                 <a:br>
-                  <a:rPr lang="de-DE" sz="2000" b="1">
+                  <a:rPr lang="de-DE" sz="2000" b="1" dirty="0">
                     <a:solidFill>
                       <a:srgbClr val="0B2D41"/>
                     </a:solidFill>
@@ -50972,17 +50988,17 @@
                   </a:rPr>
                 </a:br>
                 <a:r>
-                  <a:rPr lang="de-DE" sz="2000" b="1">
+                  <a:rPr lang="de-DE" sz="2000" b="1" dirty="0">
                     <a:solidFill>
                       <a:srgbClr val="0B2D41"/>
                     </a:solidFill>
                     <a:latin typeface="Futura Medium" panose="020B0602020204020303" pitchFamily="34" charset="-79"/>
                     <a:cs typeface="Futura Medium" panose="020B0602020204020303" pitchFamily="34" charset="-79"/>
                   </a:rPr>
-                  <a:t>1. Juli 2020 </a:t>
+                  <a:t>1. Juli 2020,</a:t>
                 </a:r>
                 <a:br>
-                  <a:rPr lang="de-DE" sz="2000" b="1">
+                  <a:rPr lang="de-DE" sz="2000" b="1" dirty="0">
                     <a:solidFill>
                       <a:srgbClr val="0B2D41"/>
                     </a:solidFill>
@@ -50991,14 +51007,14 @@
                   </a:rPr>
                 </a:br>
                 <a:r>
-                  <a:rPr lang="de-DE" sz="2000" b="1">
+                  <a:rPr lang="de-DE" sz="2000" b="1" dirty="0">
                     <a:solidFill>
                       <a:srgbClr val="0B2D41"/>
                     </a:solidFill>
                     <a:latin typeface="Futura Medium" panose="020B0602020204020303" pitchFamily="34" charset="-79"/>
                     <a:cs typeface="Futura Medium" panose="020B0602020204020303" pitchFamily="34" charset="-79"/>
                   </a:rPr>
-                  <a:t>um 18.00 Uhr</a:t>
+                  <a:t>18.15 Uhr</a:t>
                 </a:r>
               </a:p>
             </p:txBody>
@@ -51146,7 +51162,7 @@
                   </a:buClr>
                 </a:pPr>
                 <a:r>
-                  <a:rPr lang="de-DE" sz="2000" b="1">
+                  <a:rPr lang="de-DE" sz="2000" b="1" dirty="0">
                     <a:solidFill>
                       <a:srgbClr val="0B2D41"/>
                     </a:solidFill>
@@ -51156,7 +51172,7 @@
                   <a:t>Virtuell über </a:t>
                 </a:r>
                 <a:br>
-                  <a:rPr lang="de-DE" sz="2000" b="1">
+                  <a:rPr lang="de-DE" sz="2000" b="1" dirty="0">
                     <a:solidFill>
                       <a:srgbClr val="0B2D41"/>
                     </a:solidFill>
@@ -51165,7 +51181,7 @@
                   </a:rPr>
                 </a:br>
                 <a:r>
-                  <a:rPr lang="de-DE" sz="2000" b="1">
+                  <a:rPr lang="de-DE" sz="2000" b="1" dirty="0">
                     <a:solidFill>
                       <a:srgbClr val="0B2D41"/>
                     </a:solidFill>
@@ -51175,7 +51191,7 @@
                   <a:t>Microsoft </a:t>
                 </a:r>
                 <a:r>
-                  <a:rPr lang="de-DE" sz="2000" b="1" err="1">
+                  <a:rPr lang="de-DE" sz="2000" b="1" dirty="0" err="1">
                     <a:solidFill>
                       <a:srgbClr val="0B2D41"/>
                     </a:solidFill>
@@ -51184,7 +51200,7 @@
                   </a:rPr>
                   <a:t>teams</a:t>
                 </a:r>
-                <a:endParaRPr lang="de-DE" sz="2000" b="1">
+                <a:endParaRPr lang="de-DE" sz="2000" b="1" dirty="0">
                   <a:solidFill>
                     <a:srgbClr val="0B2D41"/>
                   </a:solidFill>
@@ -51326,7 +51342,7 @@
           <a:p>
             <a:fld id="{B532FBDC-2D9D-485D-9119-D68FF6951B78}" type="datetime1">
               <a:rPr lang="de-DE" smtClean="0"/>
-              <a:t>29.05.2020</a:t>
+              <a:t>02.06.2020</a:t>
             </a:fld>
             <a:endParaRPr lang="de-DE" dirty="0"/>
           </a:p>
@@ -51918,7 +51934,7 @@
           <a:p>
             <a:fld id="{62747138-AE5C-4802-BD55-B8C02D6ACAEE}" type="datetime1">
               <a:rPr lang="de-DE" smtClean="0"/>
-              <a:t>29.05.2020</a:t>
+              <a:t>02.06.2020</a:t>
             </a:fld>
             <a:endParaRPr lang="de-DE"/>
           </a:p>
@@ -51947,7 +51963,9 @@
           </a:xfrm>
         </p:spPr>
         <p:txBody>
-          <a:bodyPr/>
+          <a:bodyPr>
+            <a:normAutofit/>
+          </a:bodyPr>
           <a:lstStyle/>
           <a:p>
             <a:r>
@@ -51997,13 +52015,59 @@
           <a:p>
             <a:r>
               <a:rPr lang="de-DE" dirty="0"/>
-              <a:t>Nur die besten max. 15 Teilnehmer sind am 1. Juli dabei!</a:t>
+              <a:t>Nur die besten maximal 15 Teilnehmer sind am 1. Juli dabei</a:t>
             </a:r>
           </a:p>
           <a:p>
             <a:r>
               <a:rPr lang="de-DE" dirty="0"/>
-              <a:t>Die beste Challenge wird prämiert!</a:t>
+              <a:t>Unter diesen verlosen wir zwei Drohnen </a:t>
+            </a:r>
+            <a:r>
+              <a:rPr lang="de-DE" dirty="0" err="1"/>
+              <a:t>Dji</a:t>
+            </a:r>
+            <a:r>
+              <a:rPr lang="de-DE" dirty="0"/>
+              <a:t> </a:t>
+            </a:r>
+            <a:r>
+              <a:rPr lang="de-DE" dirty="0" err="1"/>
+              <a:t>Tello</a:t>
+            </a:r>
+            <a:r>
+              <a:rPr lang="de-DE" dirty="0"/>
+              <a:t> EDU</a:t>
+            </a:r>
+          </a:p>
+          <a:p>
+            <a:r>
+              <a:rPr lang="de-DE" dirty="0"/>
+              <a:t>Die beste Lösung gewinnt einen </a:t>
+            </a:r>
+            <a:r>
+              <a:rPr lang="de-DE" dirty="0" err="1"/>
+              <a:t>JetBot</a:t>
+            </a:r>
+            <a:r>
+              <a:rPr lang="de-DE" dirty="0"/>
+              <a:t> AI Kit basierend auf </a:t>
+            </a:r>
+            <a:r>
+              <a:rPr lang="de-DE" dirty="0" err="1"/>
+              <a:t>Nvidias</a:t>
+            </a:r>
+            <a:r>
+              <a:rPr lang="de-DE" dirty="0"/>
+              <a:t> </a:t>
+            </a:r>
+            <a:r>
+              <a:rPr lang="de-DE" dirty="0" err="1"/>
+              <a:t>Jetson</a:t>
+            </a:r>
+            <a:r>
+              <a:rPr lang="de-DE" dirty="0"/>
+              <a:t> Nano</a:t>
             </a:r>
           </a:p>
           <a:p>
@@ -54065,7 +54129,22 @@
 </file>
 
 <file path=customXml/itemProps2.xml><?xml version="1.0" encoding="utf-8"?>
-<ds:datastoreItem xmlns:ds="http://schemas.openxmlformats.org/officeDocument/2006/customXml" ds:itemID="{31D5147A-2ABC-4A28-BAD6-C2D348BAA0E6}"/>
+<ds:datastoreItem xmlns:ds="http://schemas.openxmlformats.org/officeDocument/2006/customXml" ds:itemID="{CEE9BF92-D057-4880-83F0-E7924D2E83D2}">
+  <ds:schemaRefs>
+    <ds:schemaRef ds:uri="http://schemas.microsoft.com/office/2006/metadata/contentType"/>
+    <ds:schemaRef ds:uri="http://schemas.microsoft.com/office/2006/metadata/properties/metaAttributes"/>
+    <ds:schemaRef ds:uri="http://www.w3.org/2001/XMLSchema"/>
+    <ds:schemaRef ds:uri="http://schemas.microsoft.com/office/2006/metadata/properties"/>
+    <ds:schemaRef ds:uri="cc21af2d-5116-4078-8964-a2d6c2223542"/>
+    <ds:schemaRef ds:uri="d78d7dcb-394f-4d58-a365-6f5cb404745f"/>
+    <ds:schemaRef ds:uri="http://schemas.microsoft.com/office/2006/documentManagement/types"/>
+    <ds:schemaRef ds:uri="http://schemas.microsoft.com/office/infopath/2007/PartnerControls"/>
+    <ds:schemaRef ds:uri="http://schemas.openxmlformats.org/package/2006/metadata/core-properties"/>
+    <ds:schemaRef ds:uri="http://purl.org/dc/elements/1.1/"/>
+    <ds:schemaRef ds:uri="http://purl.org/dc/terms/"/>
+    <ds:schemaRef ds:uri="http://schemas.microsoft.com/internal/obd"/>
+  </ds:schemaRefs>
+</ds:datastoreItem>
 </file>
 
 <file path=customXml/itemProps3.xml><?xml version="1.0" encoding="utf-8"?>
